--- a/LightNet Tutorial.pptx
+++ b/LightNet Tutorial.pptx
@@ -3825,15 +3825,7 @@
             </a:r>
             <a:r>
               <a:rPr lang="en-US" dirty="0"/>
-              <a:t> </a:t>
-            </a:r>
-            <a:r>
-              <a:rPr lang="en-US" dirty="0"/>
-              <a:t>language </a:t>
-            </a:r>
-            <a:r>
-              <a:rPr lang="en-US" dirty="0"/>
-              <a:t>.</a:t>
+              <a:t> language .</a:t>
             </a:r>
           </a:p>
           <a:p>
@@ -5268,7 +5260,7 @@
         </p:blipFill>
         <p:spPr>
           <a:xfrm>
-            <a:off x="1711296" y="2634893"/>
+            <a:off x="4345870" y="2634893"/>
             <a:ext cx="3500259" cy="3451581"/>
           </a:xfrm>
           <a:prstGeom prst="rect">

--- a/LightNet Tutorial.pptx
+++ b/LightNet Tutorial.pptx
@@ -3797,7 +3797,15 @@
             <a:pPr lvl="1"/>
             <a:r>
               <a:rPr lang="en-US" dirty="0"/>
-              <a:t>~1000 lines of code is used to implement the core modules.</a:t>
+              <a:t>~1000 lines of </a:t>
+            </a:r>
+            <a:r>
+              <a:rPr lang="en-US"/>
+              <a:t>code are </a:t>
+            </a:r>
+            <a:r>
+              <a:rPr lang="en-US" dirty="0"/>
+              <a:t>used to implement the core modules.</a:t>
             </a:r>
           </a:p>
           <a:p>

--- a/LightNet Tutorial.pptx
+++ b/LightNet Tutorial.pptx
@@ -3386,7 +3386,7 @@
           <a:p>
             <a:r>
               <a:rPr lang="en-US" dirty="0"/>
-              <a:t>For each computational element, the feed forward and back propagation process are implemented in the same file. Differentiated by the number of input parameters when the function is called. We set </a:t>
+              <a:t>For each computational element, the feed forward and back propagation process are implemented in the same file, differentiated by the number of input parameters when the function is called. We set </a:t>
             </a:r>
             <a:r>
               <a:rPr lang="en-US" dirty="0" err="1"/>
@@ -3797,15 +3797,7 @@
             <a:pPr lvl="1"/>
             <a:r>
               <a:rPr lang="en-US" dirty="0"/>
-              <a:t>~1000 lines of </a:t>
-            </a:r>
-            <a:r>
-              <a:rPr lang="en-US"/>
-              <a:t>code are </a:t>
-            </a:r>
-            <a:r>
-              <a:rPr lang="en-US" dirty="0"/>
-              <a:t>used to implement the core modules.</a:t>
+              <a:t>~1000 lines of code are used to implement the core modules.</a:t>
             </a:r>
           </a:p>
           <a:p>
@@ -3881,7 +3873,7 @@
             <a:pPr lvl="1"/>
             <a:r>
               <a:rPr lang="en-US" dirty="0"/>
-              <a:t>We include a comprehensive collection of modules for neural network studies.</a:t>
+              <a:t>A comprehensive collection of modules for neural network studies is included.</a:t>
             </a:r>
           </a:p>
           <a:p>
@@ -4159,7 +4151,7 @@
           <a:p>
             <a:r>
               <a:rPr lang="en-US" dirty="0"/>
-              <a:t>Tutorials</a:t>
+              <a:t>Tutorial</a:t>
             </a:r>
           </a:p>
         </p:txBody>

--- a/LightNet Tutorial.pptx
+++ b/LightNet Tutorial.pptx
@@ -253,7 +253,7 @@
           <a:p>
             <a:fld id="{0580B636-88A0-4567-8D23-F769352092DB}" type="datetimeFigureOut">
               <a:rPr lang="en-US" smtClean="0"/>
-              <a:t>2/20/2017</a:t>
+              <a:t>2/21/2017</a:t>
             </a:fld>
             <a:endParaRPr lang="en-US"/>
           </a:p>
@@ -421,7 +421,7 @@
           <a:p>
             <a:fld id="{0580B636-88A0-4567-8D23-F769352092DB}" type="datetimeFigureOut">
               <a:rPr lang="en-US" smtClean="0"/>
-              <a:t>2/20/2017</a:t>
+              <a:t>2/21/2017</a:t>
             </a:fld>
             <a:endParaRPr lang="en-US"/>
           </a:p>
@@ -599,7 +599,7 @@
           <a:p>
             <a:fld id="{0580B636-88A0-4567-8D23-F769352092DB}" type="datetimeFigureOut">
               <a:rPr lang="en-US" smtClean="0"/>
-              <a:t>2/20/2017</a:t>
+              <a:t>2/21/2017</a:t>
             </a:fld>
             <a:endParaRPr lang="en-US"/>
           </a:p>
@@ -767,7 +767,7 @@
           <a:p>
             <a:fld id="{0580B636-88A0-4567-8D23-F769352092DB}" type="datetimeFigureOut">
               <a:rPr lang="en-US" smtClean="0"/>
-              <a:t>2/20/2017</a:t>
+              <a:t>2/21/2017</a:t>
             </a:fld>
             <a:endParaRPr lang="en-US"/>
           </a:p>
@@ -1012,7 +1012,7 @@
           <a:p>
             <a:fld id="{0580B636-88A0-4567-8D23-F769352092DB}" type="datetimeFigureOut">
               <a:rPr lang="en-US" smtClean="0"/>
-              <a:t>2/20/2017</a:t>
+              <a:t>2/21/2017</a:t>
             </a:fld>
             <a:endParaRPr lang="en-US"/>
           </a:p>
@@ -1241,7 +1241,7 @@
           <a:p>
             <a:fld id="{0580B636-88A0-4567-8D23-F769352092DB}" type="datetimeFigureOut">
               <a:rPr lang="en-US" smtClean="0"/>
-              <a:t>2/20/2017</a:t>
+              <a:t>2/21/2017</a:t>
             </a:fld>
             <a:endParaRPr lang="en-US"/>
           </a:p>
@@ -1605,7 +1605,7 @@
           <a:p>
             <a:fld id="{0580B636-88A0-4567-8D23-F769352092DB}" type="datetimeFigureOut">
               <a:rPr lang="en-US" smtClean="0"/>
-              <a:t>2/20/2017</a:t>
+              <a:t>2/21/2017</a:t>
             </a:fld>
             <a:endParaRPr lang="en-US"/>
           </a:p>
@@ -1722,7 +1722,7 @@
           <a:p>
             <a:fld id="{0580B636-88A0-4567-8D23-F769352092DB}" type="datetimeFigureOut">
               <a:rPr lang="en-US" smtClean="0"/>
-              <a:t>2/20/2017</a:t>
+              <a:t>2/21/2017</a:t>
             </a:fld>
             <a:endParaRPr lang="en-US"/>
           </a:p>
@@ -1817,7 +1817,7 @@
           <a:p>
             <a:fld id="{0580B636-88A0-4567-8D23-F769352092DB}" type="datetimeFigureOut">
               <a:rPr lang="en-US" smtClean="0"/>
-              <a:t>2/20/2017</a:t>
+              <a:t>2/21/2017</a:t>
             </a:fld>
             <a:endParaRPr lang="en-US"/>
           </a:p>
@@ -2092,7 +2092,7 @@
           <a:p>
             <a:fld id="{0580B636-88A0-4567-8D23-F769352092DB}" type="datetimeFigureOut">
               <a:rPr lang="en-US" smtClean="0"/>
-              <a:t>2/20/2017</a:t>
+              <a:t>2/21/2017</a:t>
             </a:fld>
             <a:endParaRPr lang="en-US"/>
           </a:p>
@@ -2344,7 +2344,7 @@
           <a:p>
             <a:fld id="{0580B636-88A0-4567-8D23-F769352092DB}" type="datetimeFigureOut">
               <a:rPr lang="en-US" smtClean="0"/>
-              <a:t>2/20/2017</a:t>
+              <a:t>2/21/2017</a:t>
             </a:fld>
             <a:endParaRPr lang="en-US"/>
           </a:p>
@@ -2555,7 +2555,7 @@
           <a:p>
             <a:fld id="{0580B636-88A0-4567-8D23-F769352092DB}" type="datetimeFigureOut">
               <a:rPr lang="en-US" smtClean="0"/>
-              <a:t>2/20/2017</a:t>
+              <a:t>2/21/2017</a:t>
             </a:fld>
             <a:endParaRPr lang="en-US"/>
           </a:p>
@@ -3003,9 +3003,14 @@
           <a:lstStyle/>
           <a:p>
             <a:r>
-              <a:rPr lang="en-US" dirty="0"/>
-              <a:t>Chengxi Ye</a:t>
-            </a:r>
+              <a:rPr lang="en-US" dirty="0" err="1"/>
+              <a:t>LightNet</a:t>
+            </a:r>
+            <a:r>
+              <a:rPr lang="en-US"/>
+              <a:t> Developers</a:t>
+            </a:r>
+            <a:endParaRPr lang="en-US" dirty="0"/>
           </a:p>
           <a:p>
             <a:r>

--- a/LightNet Tutorial.pptx
+++ b/LightNet Tutorial.pptx
@@ -4264,15 +4264,7 @@
             </a:r>
             <a:r>
               <a:rPr lang="en-US" dirty="0"/>
-              <a:t> </a:t>
-            </a:r>
-            <a:r>
-              <a:rPr lang="en-US" dirty="0" err="1"/>
-              <a:t>contrains</a:t>
-            </a:r>
-            <a:r>
-              <a:rPr lang="en-US" dirty="0"/>
-              <a:t>.</a:t>
+              <a:t> contains.</a:t>
             </a:r>
           </a:p>
           <a:p>
@@ -4382,15 +4374,7 @@
             </a:r>
             <a:r>
               <a:rPr lang="en-US" dirty="0"/>
-              <a:t>: how to set up some hyperparameters to train a Multilayer </a:t>
-            </a:r>
-            <a:r>
-              <a:rPr lang="en-US" dirty="0" err="1"/>
-              <a:t>Perceptraon</a:t>
-            </a:r>
-            <a:r>
-              <a:rPr lang="en-US" dirty="0"/>
-              <a:t> or Convolutional Neural Network.</a:t>
+              <a:t>: how to set up some hyperparameters to train a Multilayer Perceptron or Convolutional Neural Network.</a:t>
             </a:r>
           </a:p>
           <a:p>
